--- a/TC/056 - Kỷ Nguyên Thanh Bình.pptx
+++ b/TC/056 - Kỷ Nguyên Thanh Bình.pptx
@@ -176,7 +176,7 @@
           </a:lstStyle>
           <a:p>
             <a:r>
-              <a:rPr lang="en-US" smtClean="0"/>
+              <a:rPr lang="en-US"/>
               <a:t>Click to edit Master title style</a:t>
             </a:r>
             <a:endParaRPr lang="en-US" dirty="0"/>
@@ -241,7 +241,7 @@
           </a:lstStyle>
           <a:p>
             <a:r>
-              <a:rPr lang="en-US" smtClean="0"/>
+              <a:rPr lang="en-US"/>
               <a:t>Click to edit Master subtitle style</a:t>
             </a:r>
             <a:endParaRPr lang="en-US" dirty="0"/>
@@ -272,7 +272,7 @@
                 </a:solidFill>
               </a:rPr>
               <a:pPr/>
-              <a:t>19/11/2013</a:t>
+              <a:t>Sun, 11/29/2020</a:t>
             </a:fld>
             <a:endParaRPr lang="en-US">
               <a:solidFill>
@@ -400,7 +400,7 @@
           </a:lstStyle>
           <a:p>
             <a:r>
-              <a:rPr lang="en-US" smtClean="0"/>
+              <a:rPr lang="en-US"/>
               <a:t>Click to edit Master title style</a:t>
             </a:r>
             <a:endParaRPr lang="en-US" dirty="0"/>
@@ -465,7 +465,7 @@
           </a:lstStyle>
           <a:p>
             <a:r>
-              <a:rPr lang="en-US" smtClean="0"/>
+              <a:rPr lang="en-US"/>
               <a:t>Click to edit Master subtitle style</a:t>
             </a:r>
             <a:endParaRPr lang="en-US" dirty="0"/>
@@ -496,7 +496,7 @@
                 </a:solidFill>
               </a:rPr>
               <a:pPr/>
-              <a:t>19/11/2013</a:t>
+              <a:t>Sun, 11/29/2020</a:t>
             </a:fld>
             <a:endParaRPr lang="en-US">
               <a:solidFill>
@@ -639,7 +639,7 @@
           <a:lstStyle/>
           <a:p>
             <a:r>
-              <a:rPr lang="en-US" smtClean="0"/>
+              <a:rPr lang="en-US"/>
               <a:t>Click to edit Master title style</a:t>
             </a:r>
             <a:endParaRPr lang="en-US" dirty="0"/>
@@ -673,38 +673,37 @@
           <a:p>
             <a:pPr lvl="0"/>
             <a:r>
-              <a:rPr lang="en-US" smtClean="0"/>
+              <a:rPr lang="en-US" dirty="0"/>
               <a:t>Click to edit Master text styles</a:t>
             </a:r>
           </a:p>
           <a:p>
             <a:pPr lvl="1"/>
             <a:r>
-              <a:rPr lang="en-US" smtClean="0"/>
+              <a:rPr lang="en-US" dirty="0"/>
               <a:t>Second level</a:t>
             </a:r>
           </a:p>
           <a:p>
             <a:pPr lvl="2"/>
             <a:r>
-              <a:rPr lang="en-US" smtClean="0"/>
+              <a:rPr lang="en-US" dirty="0"/>
               <a:t>Third level</a:t>
             </a:r>
           </a:p>
           <a:p>
             <a:pPr lvl="3"/>
             <a:r>
-              <a:rPr lang="en-US" smtClean="0"/>
+              <a:rPr lang="en-US" dirty="0"/>
               <a:t>Fourth level</a:t>
             </a:r>
           </a:p>
           <a:p>
             <a:pPr lvl="4"/>
             <a:r>
-              <a:rPr lang="en-US" smtClean="0"/>
+              <a:rPr lang="en-US" dirty="0"/>
               <a:t>Fifth level</a:t>
             </a:r>
-            <a:endParaRPr lang="en-US" dirty="0"/>
           </a:p>
         </p:txBody>
       </p:sp>
@@ -737,6 +736,7 @@
                     <a:tint val="75000"/>
                   </a:schemeClr>
                 </a:solidFill>
+                <a:latin typeface="VNI-Jamai" pitchFamily="2" charset="0"/>
               </a:defRPr>
             </a:lvl1pPr>
           </a:lstStyle>
@@ -750,9 +750,9 @@
                 </a:solidFill>
               </a:rPr>
               <a:pPr/>
-              <a:t>19/11/2013</a:t>
+              <a:t>Sun, 11/29/2020</a:t>
             </a:fld>
-            <a:endParaRPr lang="en-US">
+            <a:endParaRPr lang="en-US" dirty="0">
               <a:solidFill>
                 <a:prstClr val="black">
                   <a:tint val="75000"/>
@@ -791,11 +791,12 @@
                     <a:tint val="75000"/>
                   </a:schemeClr>
                 </a:solidFill>
+                <a:latin typeface="VNI-Jamai" pitchFamily="2" charset="0"/>
               </a:defRPr>
             </a:lvl1pPr>
           </a:lstStyle>
           <a:p>
-            <a:endParaRPr lang="en-US">
+            <a:endParaRPr lang="en-US" dirty="0">
               <a:solidFill>
                 <a:prstClr val="black">
                   <a:tint val="75000"/>
@@ -834,6 +835,7 @@
                     <a:tint val="75000"/>
                   </a:schemeClr>
                 </a:solidFill>
+                <a:latin typeface="VNI-Jamai" pitchFamily="2" charset="0"/>
               </a:defRPr>
             </a:lvl1pPr>
           </a:lstStyle>
@@ -849,7 +851,7 @@
               <a:pPr/>
               <a:t>‹#›</a:t>
             </a:fld>
-            <a:endParaRPr lang="en-US">
+            <a:endParaRPr lang="en-US" dirty="0">
               <a:solidFill>
                 <a:prstClr val="black">
                   <a:tint val="75000"/>
@@ -904,7 +906,7 @@
           <a:solidFill>
             <a:schemeClr val="tx1"/>
           </a:solidFill>
-          <a:latin typeface="+mn-lt"/>
+          <a:latin typeface="VNI-Jamai" pitchFamily="2" charset="0"/>
           <a:ea typeface="+mn-ea"/>
           <a:cs typeface="+mn-cs"/>
         </a:defRPr>
@@ -922,7 +924,7 @@
           <a:solidFill>
             <a:schemeClr val="tx1"/>
           </a:solidFill>
-          <a:latin typeface="+mn-lt"/>
+          <a:latin typeface="VNI-Jamai" pitchFamily="2" charset="0"/>
           <a:ea typeface="+mn-ea"/>
           <a:cs typeface="+mn-cs"/>
         </a:defRPr>
@@ -940,7 +942,7 @@
           <a:solidFill>
             <a:schemeClr val="tx1"/>
           </a:solidFill>
-          <a:latin typeface="+mn-lt"/>
+          <a:latin typeface="VNI-Jamai" pitchFamily="2" charset="0"/>
           <a:ea typeface="+mn-ea"/>
           <a:cs typeface="+mn-cs"/>
         </a:defRPr>
@@ -958,7 +960,7 @@
           <a:solidFill>
             <a:schemeClr val="tx1"/>
           </a:solidFill>
-          <a:latin typeface="+mn-lt"/>
+          <a:latin typeface="VNI-Jamai" pitchFamily="2" charset="0"/>
           <a:ea typeface="+mn-ea"/>
           <a:cs typeface="+mn-cs"/>
         </a:defRPr>
@@ -976,7 +978,7 @@
           <a:solidFill>
             <a:schemeClr val="tx1"/>
           </a:solidFill>
-          <a:latin typeface="+mn-lt"/>
+          <a:latin typeface="VNI-Jamai" pitchFamily="2" charset="0"/>
           <a:ea typeface="+mn-ea"/>
           <a:cs typeface="+mn-cs"/>
         </a:defRPr>
@@ -1210,7 +1212,7 @@
           <a:lstStyle/>
           <a:p>
             <a:r>
-              <a:rPr lang="en-US" smtClean="0"/>
+              <a:rPr lang="en-US"/>
               <a:t>Click to edit Master title style</a:t>
             </a:r>
             <a:endParaRPr lang="en-US" dirty="0"/>
@@ -1244,38 +1246,37 @@
           <a:p>
             <a:pPr lvl="0"/>
             <a:r>
-              <a:rPr lang="en-US" smtClean="0"/>
+              <a:rPr lang="en-US" dirty="0"/>
               <a:t>Click to edit Master text styles</a:t>
             </a:r>
           </a:p>
           <a:p>
             <a:pPr lvl="1"/>
             <a:r>
-              <a:rPr lang="en-US" smtClean="0"/>
+              <a:rPr lang="en-US" dirty="0"/>
               <a:t>Second level</a:t>
             </a:r>
           </a:p>
           <a:p>
             <a:pPr lvl="2"/>
             <a:r>
-              <a:rPr lang="en-US" smtClean="0"/>
+              <a:rPr lang="en-US" dirty="0"/>
               <a:t>Third level</a:t>
             </a:r>
           </a:p>
           <a:p>
             <a:pPr lvl="3"/>
             <a:r>
-              <a:rPr lang="en-US" smtClean="0"/>
+              <a:rPr lang="en-US" dirty="0"/>
               <a:t>Fourth level</a:t>
             </a:r>
           </a:p>
           <a:p>
             <a:pPr lvl="4"/>
             <a:r>
-              <a:rPr lang="en-US" smtClean="0"/>
+              <a:rPr lang="en-US" dirty="0"/>
               <a:t>Fifth level</a:t>
             </a:r>
-            <a:endParaRPr lang="en-US" dirty="0"/>
           </a:p>
         </p:txBody>
       </p:sp>
@@ -1308,6 +1309,7 @@
                     <a:tint val="75000"/>
                   </a:schemeClr>
                 </a:solidFill>
+                <a:latin typeface="VNI-Jamai" pitchFamily="2" charset="0"/>
               </a:defRPr>
             </a:lvl1pPr>
           </a:lstStyle>
@@ -1321,9 +1323,9 @@
                 </a:solidFill>
               </a:rPr>
               <a:pPr/>
-              <a:t>19/11/2013</a:t>
+              <a:t>Sun, 11/29/2020</a:t>
             </a:fld>
-            <a:endParaRPr lang="en-US">
+            <a:endParaRPr lang="en-US" dirty="0">
               <a:solidFill>
                 <a:prstClr val="black">
                   <a:tint val="75000"/>
@@ -1362,11 +1364,12 @@
                     <a:tint val="75000"/>
                   </a:schemeClr>
                 </a:solidFill>
+                <a:latin typeface="VNI-Jamai" pitchFamily="2" charset="0"/>
               </a:defRPr>
             </a:lvl1pPr>
           </a:lstStyle>
           <a:p>
-            <a:endParaRPr lang="en-US">
+            <a:endParaRPr lang="en-US" dirty="0">
               <a:solidFill>
                 <a:prstClr val="black">
                   <a:tint val="75000"/>
@@ -1405,6 +1408,7 @@
                     <a:tint val="75000"/>
                   </a:schemeClr>
                 </a:solidFill>
+                <a:latin typeface="VNI-Jamai" pitchFamily="2" charset="0"/>
               </a:defRPr>
             </a:lvl1pPr>
           </a:lstStyle>
@@ -1420,7 +1424,7 @@
               <a:pPr/>
               <a:t>‹#›</a:t>
             </a:fld>
-            <a:endParaRPr lang="en-US">
+            <a:endParaRPr lang="en-US" dirty="0">
               <a:solidFill>
                 <a:prstClr val="black">
                   <a:tint val="75000"/>
@@ -1475,7 +1479,7 @@
           <a:solidFill>
             <a:schemeClr val="tx1"/>
           </a:solidFill>
-          <a:latin typeface="+mn-lt"/>
+          <a:latin typeface="VNI-Jamai" pitchFamily="2" charset="0"/>
           <a:ea typeface="+mn-ea"/>
           <a:cs typeface="+mn-cs"/>
         </a:defRPr>
@@ -1493,7 +1497,7 @@
           <a:solidFill>
             <a:schemeClr val="tx1"/>
           </a:solidFill>
-          <a:latin typeface="+mn-lt"/>
+          <a:latin typeface="VNI-Jamai" pitchFamily="2" charset="0"/>
           <a:ea typeface="+mn-ea"/>
           <a:cs typeface="+mn-cs"/>
         </a:defRPr>
@@ -1511,7 +1515,7 @@
           <a:solidFill>
             <a:schemeClr val="tx1"/>
           </a:solidFill>
-          <a:latin typeface="+mn-lt"/>
+          <a:latin typeface="VNI-Jamai" pitchFamily="2" charset="0"/>
           <a:ea typeface="+mn-ea"/>
           <a:cs typeface="+mn-cs"/>
         </a:defRPr>
@@ -1529,7 +1533,7 @@
           <a:solidFill>
             <a:schemeClr val="tx1"/>
           </a:solidFill>
-          <a:latin typeface="+mn-lt"/>
+          <a:latin typeface="VNI-Jamai" pitchFamily="2" charset="0"/>
           <a:ea typeface="+mn-ea"/>
           <a:cs typeface="+mn-cs"/>
         </a:defRPr>
@@ -1547,7 +1551,7 @@
           <a:solidFill>
             <a:schemeClr val="tx1"/>
           </a:solidFill>
-          <a:latin typeface="+mn-lt"/>
+          <a:latin typeface="VNI-Jamai" pitchFamily="2" charset="0"/>
           <a:ea typeface="+mn-ea"/>
           <a:cs typeface="+mn-cs"/>
         </a:defRPr>
@@ -1765,7 +1769,7 @@
           <a:p>
             <a:pPr algn="ctr"/>
             <a:r>
-              <a:rPr lang="en-US" sz="3500" b="1">
+              <a:rPr lang="en-US" sz="3500" b="1" dirty="0">
                 <a:solidFill>
                   <a:prstClr val="black"/>
                 </a:solidFill>
@@ -1774,7 +1778,7 @@
                     <a:prstClr val="white"/>
                   </a:glow>
                 </a:effectLst>
-                <a:latin typeface="VNI-Bamas" pitchFamily="34" charset="0"/>
+                <a:latin typeface="VNI-Jamai" pitchFamily="2" charset="0"/>
               </a:rPr>
               <a:t>TOÂN VINH CHUÙA  - THAÙNH CA 56</a:t>
             </a:r>
@@ -1805,7 +1809,7 @@
           <a:p>
             <a:pPr algn="ctr"/>
             <a:r>
-              <a:rPr lang="en-US" sz="6600" smtClean="0">
+              <a:rPr lang="en-US" sz="6600" dirty="0">
                 <a:solidFill>
                   <a:srgbClr val="C00000"/>
                 </a:solidFill>
@@ -1814,7 +1818,7 @@
                     <a:prstClr val="white"/>
                   </a:glow>
                 </a:effectLst>
-                <a:latin typeface="HP-Kabel" pitchFamily="34" charset="0"/>
+                <a:latin typeface="VNI-Times" pitchFamily="2" charset="0"/>
               </a:rPr>
               <a:t>KYÛ NGUYEÂN THANH BÌNH</a:t>
             </a:r>
@@ -1843,13 +1847,6 @@
       </p:transition>
     </mc:Fallback>
   </mc:AlternateContent>
-  <p:timing>
-    <p:tnLst>
-      <p:par>
-        <p:cTn id="1" dur="indefinite" restart="never" nodeType="tmRoot"/>
-      </p:par>
-    </p:tnLst>
-  </p:timing>
 </p:sld>
 </file>
 
@@ -1908,7 +1905,7 @@
           <a:p>
             <a:pPr algn="ctr"/>
             <a:r>
-              <a:rPr lang="en-US" sz="6600" b="1" smtClean="0">
+              <a:rPr lang="en-US" sz="6600" b="1">
                 <a:solidFill>
                   <a:sysClr val="windowText" lastClr="000000"/>
                 </a:solidFill>
@@ -1925,7 +1922,7 @@
           <a:p>
             <a:pPr algn="ctr"/>
             <a:r>
-              <a:rPr lang="en-US" sz="6600" b="1" smtClean="0">
+              <a:rPr lang="en-US" sz="6600" b="1">
                 <a:solidFill>
                   <a:sysClr val="windowText" lastClr="000000"/>
                 </a:solidFill>
@@ -1939,7 +1936,7 @@
               <a:t>veû vang treân thieân </a:t>
             </a:r>
             <a:br>
-              <a:rPr lang="en-US" sz="6600" b="1" smtClean="0">
+              <a:rPr lang="en-US" sz="6600" b="1">
                 <a:solidFill>
                   <a:sysClr val="windowText" lastClr="000000"/>
                 </a:solidFill>
@@ -1952,7 +1949,7 @@
               </a:rPr>
             </a:br>
             <a:r>
-              <a:rPr lang="en-US" sz="6600" b="1" smtClean="0">
+              <a:rPr lang="en-US" sz="6600" b="1">
                 <a:solidFill>
                   <a:sysClr val="windowText" lastClr="000000"/>
                 </a:solidFill>
@@ -1992,7 +1989,7 @@
           <a:p>
             <a:pPr algn="ctr"/>
             <a:r>
-              <a:rPr lang="en-US" sz="3400" smtClean="0">
+              <a:rPr lang="en-US" sz="3400" dirty="0">
                 <a:solidFill>
                   <a:srgbClr val="C00000"/>
                 </a:solidFill>
@@ -2001,7 +1998,7 @@
                     <a:prstClr val="white"/>
                   </a:glow>
                 </a:effectLst>
-                <a:latin typeface="HP-Kabel" pitchFamily="34" charset="0"/>
+                <a:latin typeface="VNI-Times" pitchFamily="2" charset="0"/>
               </a:rPr>
               <a:t>THAÙNH CA 56 – KYÛ NGUYEÂN THANH BÌNH</a:t>
             </a:r>
@@ -2018,21 +2015,6 @@
   <p:clrMapOvr>
     <a:overrideClrMapping bg1="lt1" tx1="dk1" bg2="lt2" tx2="dk2" accent1="accent1" accent2="accent2" accent3="accent3" accent4="accent4" accent5="accent5" accent6="accent6" hlink="hlink" folHlink="folHlink"/>
   </p:clrMapOvr>
-  <mc:AlternateContent xmlns:mc="http://schemas.openxmlformats.org/markup-compatibility/2006" xmlns:p14="http://schemas.microsoft.com/office/powerpoint/2010/main">
-    <mc:Choice Requires="p14">
-      <p:transition p14:dur="0"/>
-    </mc:Choice>
-    <mc:Fallback xmlns="">
-      <p:transition/>
-    </mc:Fallback>
-  </mc:AlternateContent>
-  <p:timing>
-    <p:tnLst>
-      <p:par>
-        <p:cTn id="1" dur="indefinite" restart="never" nodeType="tmRoot"/>
-      </p:par>
-    </p:tnLst>
-  </p:timing>
 </p:sld>
 </file>
 
@@ -2091,7 +2073,7 @@
           <a:p>
             <a:pPr algn="ctr"/>
             <a:r>
-              <a:rPr lang="en-US" sz="6600" b="1" smtClean="0">
+              <a:rPr lang="en-US" sz="6600" b="1">
                 <a:solidFill>
                   <a:sysClr val="windowText" lastClr="000000"/>
                 </a:solidFill>
@@ -2105,7 +2087,7 @@
               <a:t>Laâm theá cheát thay </a:t>
             </a:r>
             <a:br>
-              <a:rPr lang="en-US" sz="6600" b="1" smtClean="0">
+              <a:rPr lang="en-US" sz="6600" b="1">
                 <a:solidFill>
                   <a:sysClr val="windowText" lastClr="000000"/>
                 </a:solidFill>
@@ -2118,7 +2100,7 @@
               </a:rPr>
             </a:br>
             <a:r>
-              <a:rPr lang="en-US" sz="6600" b="1" smtClean="0">
+              <a:rPr lang="en-US" sz="6600" b="1">
                 <a:solidFill>
                   <a:sysClr val="windowText" lastClr="000000"/>
                 </a:solidFill>
@@ -2132,7 +2114,7 @@
               <a:t>cho muoân ngöôøi, </a:t>
             </a:r>
             <a:br>
-              <a:rPr lang="en-US" sz="6600" b="1" smtClean="0">
+              <a:rPr lang="en-US" sz="6600" b="1">
                 <a:solidFill>
                   <a:sysClr val="windowText" lastClr="000000"/>
                 </a:solidFill>
@@ -2145,7 +2127,7 @@
               </a:rPr>
             </a:br>
             <a:r>
-              <a:rPr lang="en-US" sz="6600" b="1" smtClean="0">
+              <a:rPr lang="en-US" sz="6600" b="1">
                 <a:solidFill>
                   <a:sysClr val="windowText" lastClr="000000"/>
                 </a:solidFill>
@@ -2159,7 +2141,7 @@
               <a:t>löu huyeát hy sinh </a:t>
             </a:r>
             <a:br>
-              <a:rPr lang="en-US" sz="6600" b="1" smtClean="0">
+              <a:rPr lang="en-US" sz="6600" b="1">
                 <a:solidFill>
                   <a:sysClr val="windowText" lastClr="000000"/>
                 </a:solidFill>
@@ -2172,7 +2154,7 @@
               </a:rPr>
             </a:br>
             <a:r>
-              <a:rPr lang="en-US" sz="6600" b="1" smtClean="0">
+              <a:rPr lang="en-US" sz="6600" b="1">
                 <a:solidFill>
                   <a:sysClr val="windowText" lastClr="000000"/>
                 </a:solidFill>
@@ -2212,7 +2194,7 @@
           <a:p>
             <a:pPr algn="ctr"/>
             <a:r>
-              <a:rPr lang="en-US" sz="3400" smtClean="0">
+              <a:rPr lang="en-US" sz="3400" dirty="0">
                 <a:solidFill>
                   <a:srgbClr val="C00000"/>
                 </a:solidFill>
@@ -2221,7 +2203,7 @@
                     <a:prstClr val="white"/>
                   </a:glow>
                 </a:effectLst>
-                <a:latin typeface="HP-Kabel" pitchFamily="34" charset="0"/>
+                <a:latin typeface="VNI-Times" pitchFamily="2" charset="0"/>
               </a:rPr>
               <a:t>THAÙNH CA 56 – KYÛ NGUYEÂN THANH BÌNH</a:t>
             </a:r>
@@ -2238,21 +2220,6 @@
   <p:clrMapOvr>
     <a:overrideClrMapping bg1="lt1" tx1="dk1" bg2="lt2" tx2="dk2" accent1="accent1" accent2="accent2" accent3="accent3" accent4="accent4" accent5="accent5" accent6="accent6" hlink="hlink" folHlink="folHlink"/>
   </p:clrMapOvr>
-  <mc:AlternateContent xmlns:mc="http://schemas.openxmlformats.org/markup-compatibility/2006" xmlns:p14="http://schemas.microsoft.com/office/powerpoint/2010/main">
-    <mc:Choice Requires="p14">
-      <p:transition p14:dur="0"/>
-    </mc:Choice>
-    <mc:Fallback xmlns="">
-      <p:transition/>
-    </mc:Fallback>
-  </mc:AlternateContent>
-  <p:timing>
-    <p:tnLst>
-      <p:par>
-        <p:cTn id="1" dur="indefinite" restart="never" nodeType="tmRoot"/>
-      </p:par>
-    </p:tnLst>
-  </p:timing>
 </p:sld>
 </file>
 
@@ -2311,7 +2278,7 @@
           <a:p>
             <a:pPr algn="ctr"/>
             <a:r>
-              <a:rPr lang="en-US" sz="6600" b="1" smtClean="0">
+              <a:rPr lang="en-US" sz="6600" b="1">
                 <a:solidFill>
                   <a:sysClr val="windowText" lastClr="000000"/>
                 </a:solidFill>
@@ -2351,7 +2318,7 @@
           <a:p>
             <a:pPr algn="ctr"/>
             <a:r>
-              <a:rPr lang="en-US" sz="3400" smtClean="0">
+              <a:rPr lang="en-US" sz="3400" dirty="0">
                 <a:solidFill>
                   <a:srgbClr val="C00000"/>
                 </a:solidFill>
@@ -2360,7 +2327,7 @@
                     <a:prstClr val="white"/>
                   </a:glow>
                 </a:effectLst>
-                <a:latin typeface="HP-Kabel" pitchFamily="34" charset="0"/>
+                <a:latin typeface="VNI-Times" pitchFamily="2" charset="0"/>
               </a:rPr>
               <a:t>THAÙNH CA 56 – KYÛ NGUYEÂN THANH BÌNH</a:t>
             </a:r>
@@ -2377,21 +2344,6 @@
   <p:clrMapOvr>
     <a:overrideClrMapping bg1="lt1" tx1="dk1" bg2="lt2" tx2="dk2" accent1="accent1" accent2="accent2" accent3="accent3" accent4="accent4" accent5="accent5" accent6="accent6" hlink="hlink" folHlink="folHlink"/>
   </p:clrMapOvr>
-  <mc:AlternateContent xmlns:mc="http://schemas.openxmlformats.org/markup-compatibility/2006" xmlns:p14="http://schemas.microsoft.com/office/powerpoint/2010/main">
-    <mc:Choice Requires="p14">
-      <p:transition p14:dur="0"/>
-    </mc:Choice>
-    <mc:Fallback xmlns="">
-      <p:transition/>
-    </mc:Fallback>
-  </mc:AlternateContent>
-  <p:timing>
-    <p:tnLst>
-      <p:par>
-        <p:cTn id="1" dur="indefinite" restart="never" nodeType="tmRoot"/>
-      </p:par>
-    </p:tnLst>
-  </p:timing>
 </p:sld>
 </file>
 
@@ -2450,7 +2402,7 @@
           <a:p>
             <a:pPr algn="ctr"/>
             <a:r>
-              <a:rPr lang="en-US" sz="4400" b="1" i="1" u="sng" smtClean="0">
+              <a:rPr lang="en-US" sz="4400" b="1" i="1" u="sng">
                 <a:solidFill>
                   <a:sysClr val="windowText" lastClr="000000"/>
                 </a:solidFill>
@@ -2464,7 +2416,7 @@
               <a:t>ÑK:</a:t>
             </a:r>
             <a:r>
-              <a:rPr lang="en-US" sz="6600" b="1" smtClean="0">
+              <a:rPr lang="en-US" sz="6600" b="1">
                 <a:solidFill>
                   <a:sysClr val="windowText" lastClr="000000"/>
                 </a:solidFill>
@@ -2504,7 +2456,7 @@
           <a:p>
             <a:pPr algn="ctr"/>
             <a:r>
-              <a:rPr lang="en-US" sz="3400" smtClean="0">
+              <a:rPr lang="en-US" sz="3400" dirty="0">
                 <a:solidFill>
                   <a:srgbClr val="C00000"/>
                 </a:solidFill>
@@ -2513,7 +2465,7 @@
                     <a:prstClr val="white"/>
                   </a:glow>
                 </a:effectLst>
-                <a:latin typeface="HP-Kabel" pitchFamily="34" charset="0"/>
+                <a:latin typeface="VNI-Times" pitchFamily="2" charset="0"/>
               </a:rPr>
               <a:t>THAÙNH CA 56 – KYÛ NGUYEÂN THANH BÌNH</a:t>
             </a:r>
@@ -2530,21 +2482,6 @@
   <p:clrMapOvr>
     <a:overrideClrMapping bg1="lt1" tx1="dk1" bg2="lt2" tx2="dk2" accent1="accent1" accent2="accent2" accent3="accent3" accent4="accent4" accent5="accent5" accent6="accent6" hlink="hlink" folHlink="folHlink"/>
   </p:clrMapOvr>
-  <mc:AlternateContent xmlns:mc="http://schemas.openxmlformats.org/markup-compatibility/2006" xmlns:p14="http://schemas.microsoft.com/office/powerpoint/2010/main">
-    <mc:Choice Requires="p14">
-      <p:transition p14:dur="0"/>
-    </mc:Choice>
-    <mc:Fallback xmlns="">
-      <p:transition/>
-    </mc:Fallback>
-  </mc:AlternateContent>
-  <p:timing>
-    <p:tnLst>
-      <p:par>
-        <p:cTn id="1" dur="indefinite" restart="never" nodeType="tmRoot"/>
-      </p:par>
-    </p:tnLst>
-  </p:timing>
 </p:sld>
 </file>
 
@@ -2603,7 +2540,7 @@
           <a:p>
             <a:pPr algn="ctr"/>
             <a:r>
-              <a:rPr lang="en-US" sz="6600" b="1" smtClean="0">
+              <a:rPr lang="en-US" sz="6600" b="1">
                 <a:solidFill>
                   <a:sysClr val="windowText" lastClr="000000"/>
                 </a:solidFill>
@@ -2617,7 +2554,7 @@
               <a:t>Xöôùng ca danh </a:t>
             </a:r>
             <a:br>
-              <a:rPr lang="en-US" sz="6600" b="1" smtClean="0">
+              <a:rPr lang="en-US" sz="6600" b="1">
                 <a:solidFill>
                   <a:sysClr val="windowText" lastClr="000000"/>
                 </a:solidFill>
@@ -2630,7 +2567,7 @@
               </a:rPr>
             </a:br>
             <a:r>
-              <a:rPr lang="en-US" sz="6600" b="1" smtClean="0">
+              <a:rPr lang="en-US" sz="6600" b="1">
                 <a:solidFill>
                   <a:sysClr val="windowText" lastClr="000000"/>
                 </a:solidFill>
@@ -2644,7 +2581,7 @@
               <a:t>Jeâsus muoân ñôøi! </a:t>
             </a:r>
             <a:br>
-              <a:rPr lang="en-US" sz="6600" b="1" smtClean="0">
+              <a:rPr lang="en-US" sz="6600" b="1">
                 <a:solidFill>
                   <a:sysClr val="windowText" lastClr="000000"/>
                 </a:solidFill>
@@ -2657,7 +2594,7 @@
               </a:rPr>
             </a:br>
             <a:r>
-              <a:rPr lang="en-US" sz="6600" b="1" smtClean="0">
+              <a:rPr lang="en-US" sz="6600" b="1">
                 <a:solidFill>
                   <a:sysClr val="windowText" lastClr="000000"/>
                 </a:solidFill>
@@ -2671,7 +2608,7 @@
               <a:t>Taùn döông Vua </a:t>
             </a:r>
             <a:br>
-              <a:rPr lang="en-US" sz="6600" b="1" smtClean="0">
+              <a:rPr lang="en-US" sz="6600" b="1">
                 <a:solidFill>
                   <a:sysClr val="windowText" lastClr="000000"/>
                 </a:solidFill>
@@ -2684,7 +2621,7 @@
               </a:rPr>
             </a:br>
             <a:r>
-              <a:rPr lang="en-US" sz="6600" b="1" smtClean="0">
+              <a:rPr lang="en-US" sz="6600" b="1">
                 <a:solidFill>
                   <a:sysClr val="windowText" lastClr="000000"/>
                 </a:solidFill>
@@ -2724,7 +2661,7 @@
           <a:p>
             <a:pPr algn="ctr"/>
             <a:r>
-              <a:rPr lang="en-US" sz="3400" smtClean="0">
+              <a:rPr lang="en-US" sz="3400" dirty="0">
                 <a:solidFill>
                   <a:srgbClr val="C00000"/>
                 </a:solidFill>
@@ -2733,7 +2670,7 @@
                     <a:prstClr val="white"/>
                   </a:glow>
                 </a:effectLst>
-                <a:latin typeface="HP-Kabel" pitchFamily="34" charset="0"/>
+                <a:latin typeface="VNI-Times" pitchFamily="2" charset="0"/>
               </a:rPr>
               <a:t>THAÙNH CA 56 – KYÛ NGUYEÂN THANH BÌNH</a:t>
             </a:r>
@@ -2750,21 +2687,6 @@
   <p:clrMapOvr>
     <a:overrideClrMapping bg1="lt1" tx1="dk1" bg2="lt2" tx2="dk2" accent1="accent1" accent2="accent2" accent3="accent3" accent4="accent4" accent5="accent5" accent6="accent6" hlink="hlink" folHlink="folHlink"/>
   </p:clrMapOvr>
-  <mc:AlternateContent xmlns:mc="http://schemas.openxmlformats.org/markup-compatibility/2006" xmlns:p14="http://schemas.microsoft.com/office/powerpoint/2010/main">
-    <mc:Choice Requires="p14">
-      <p:transition p14:dur="0"/>
-    </mc:Choice>
-    <mc:Fallback xmlns="">
-      <p:transition/>
-    </mc:Fallback>
-  </mc:AlternateContent>
-  <p:timing>
-    <p:tnLst>
-      <p:par>
-        <p:cTn id="1" dur="indefinite" restart="never" nodeType="tmRoot"/>
-      </p:par>
-    </p:tnLst>
-  </p:timing>
 </p:sld>
 </file>
 
@@ -2823,7 +2745,7 @@
           <a:p>
             <a:pPr algn="ctr"/>
             <a:r>
-              <a:rPr lang="en-US" sz="6600" b="1" smtClean="0">
+              <a:rPr lang="en-US" sz="6600" b="1">
                 <a:solidFill>
                   <a:sysClr val="windowText" lastClr="000000"/>
                 </a:solidFill>
@@ -2837,7 +2759,7 @@
               <a:t>Huyeàn dieäu </a:t>
             </a:r>
             <a:br>
-              <a:rPr lang="en-US" sz="6600" b="1" smtClean="0">
+              <a:rPr lang="en-US" sz="6600" b="1">
                 <a:solidFill>
                   <a:sysClr val="windowText" lastClr="000000"/>
                 </a:solidFill>
@@ -2850,7 +2772,7 @@
               </a:rPr>
             </a:br>
             <a:r>
-              <a:rPr lang="en-US" sz="6600" b="1" smtClean="0">
+              <a:rPr lang="en-US" sz="6600" b="1">
                 <a:solidFill>
                   <a:sysClr val="windowText" lastClr="000000"/>
                 </a:solidFill>
@@ -2864,7 +2786,7 @@
               <a:t>thay Jeâsus ñeán, </a:t>
             </a:r>
             <a:br>
-              <a:rPr lang="en-US" sz="6600" b="1" smtClean="0">
+              <a:rPr lang="en-US" sz="6600" b="1">
                 <a:solidFill>
                   <a:sysClr val="windowText" lastClr="000000"/>
                 </a:solidFill>
@@ -2877,7 +2799,7 @@
               </a:rPr>
             </a:br>
             <a:r>
-              <a:rPr lang="en-US" sz="6600" b="1" smtClean="0">
+              <a:rPr lang="en-US" sz="6600" b="1">
                 <a:solidFill>
                   <a:sysClr val="windowText" lastClr="000000"/>
                 </a:solidFill>
@@ -2891,7 +2813,7 @@
               <a:t>ñem kyû nguyeân </a:t>
             </a:r>
             <a:br>
-              <a:rPr lang="en-US" sz="6600" b="1" smtClean="0">
+              <a:rPr lang="en-US" sz="6600" b="1">
                 <a:solidFill>
                   <a:sysClr val="windowText" lastClr="000000"/>
                 </a:solidFill>
@@ -2904,7 +2826,7 @@
               </a:rPr>
             </a:br>
             <a:r>
-              <a:rPr lang="en-US" sz="6600" b="1" smtClean="0">
+              <a:rPr lang="en-US" sz="6600" b="1">
                 <a:solidFill>
                   <a:sysClr val="windowText" lastClr="000000"/>
                 </a:solidFill>
@@ -2944,7 +2866,7 @@
           <a:p>
             <a:pPr algn="ctr"/>
             <a:r>
-              <a:rPr lang="en-US" sz="3400" smtClean="0">
+              <a:rPr lang="en-US" sz="3400" dirty="0">
                 <a:solidFill>
                   <a:srgbClr val="C00000"/>
                 </a:solidFill>
@@ -2953,7 +2875,7 @@
                     <a:prstClr val="white"/>
                   </a:glow>
                 </a:effectLst>
-                <a:latin typeface="HP-Kabel" pitchFamily="34" charset="0"/>
+                <a:latin typeface="VNI-Times" pitchFamily="2" charset="0"/>
               </a:rPr>
               <a:t>THAÙNH CA 56 – KYÛ NGUYEÂN THANH BÌNH</a:t>
             </a:r>
@@ -2970,21 +2892,6 @@
   <p:clrMapOvr>
     <a:overrideClrMapping bg1="lt1" tx1="dk1" bg2="lt2" tx2="dk2" accent1="accent1" accent2="accent2" accent3="accent3" accent4="accent4" accent5="accent5" accent6="accent6" hlink="hlink" folHlink="folHlink"/>
   </p:clrMapOvr>
-  <mc:AlternateContent xmlns:mc="http://schemas.openxmlformats.org/markup-compatibility/2006" xmlns:p14="http://schemas.microsoft.com/office/powerpoint/2010/main">
-    <mc:Choice Requires="p14">
-      <p:transition p14:dur="0"/>
-    </mc:Choice>
-    <mc:Fallback xmlns="">
-      <p:transition/>
-    </mc:Fallback>
-  </mc:AlternateContent>
-  <p:timing>
-    <p:tnLst>
-      <p:par>
-        <p:cTn id="1" dur="indefinite" restart="never" nodeType="tmRoot"/>
-      </p:par>
-    </p:tnLst>
-  </p:timing>
 </p:sld>
 </file>
 
@@ -3029,7 +2936,7 @@
           <a:p>
             <a:pPr algn="ctr"/>
             <a:r>
-              <a:rPr lang="en-US" sz="3400" smtClean="0">
+              <a:rPr lang="en-US" sz="3400" dirty="0">
                 <a:solidFill>
                   <a:srgbClr val="C00000"/>
                 </a:solidFill>
@@ -3038,7 +2945,7 @@
                     <a:prstClr val="white"/>
                   </a:glow>
                 </a:effectLst>
-                <a:latin typeface="HP-Kabel" pitchFamily="34" charset="0"/>
+                <a:latin typeface="VNI-Times" pitchFamily="2" charset="0"/>
               </a:rPr>
               <a:t>THAÙNH CA 56 – KYÛ NGUYEÂN THANH BÌNH</a:t>
             </a:r>
@@ -3069,7 +2976,7 @@
           <a:p>
             <a:pPr algn="ctr"/>
             <a:r>
-              <a:rPr lang="en-US" sz="4000" b="1" smtClean="0">
+              <a:rPr lang="en-US" sz="4000" b="1">
                 <a:solidFill>
                   <a:sysClr val="windowText" lastClr="000000"/>
                 </a:solidFill>
@@ -3083,7 +2990,7 @@
               <a:t>3.</a:t>
             </a:r>
             <a:r>
-              <a:rPr lang="en-US" sz="6600" b="1" smtClean="0">
+              <a:rPr lang="en-US" sz="6600" b="1">
                 <a:solidFill>
                   <a:sysClr val="windowText" lastClr="000000"/>
                 </a:solidFill>
@@ -3097,7 +3004,7 @@
               <a:t> </a:t>
             </a:r>
             <a:r>
-              <a:rPr lang="en-US" sz="6600" b="1" smtClean="0">
+              <a:rPr lang="en-US" sz="6600" b="1">
                 <a:solidFill>
                   <a:sysClr val="windowText" lastClr="000000"/>
                 </a:solidFill>
@@ -3111,7 +3018,7 @@
               <a:t>Theá gian ñaày tang cheá, saàu muoän vì </a:t>
             </a:r>
             <a:br>
-              <a:rPr lang="en-US" sz="6600" b="1" smtClean="0">
+              <a:rPr lang="en-US" sz="6600" b="1">
                 <a:solidFill>
                   <a:sysClr val="windowText" lastClr="000000"/>
                 </a:solidFill>
@@ -3124,7 +3031,7 @@
               </a:rPr>
             </a:br>
             <a:r>
-              <a:rPr lang="en-US" sz="6600" b="1" smtClean="0">
+              <a:rPr lang="en-US" sz="6600" b="1">
                 <a:solidFill>
                   <a:sysClr val="windowText" lastClr="000000"/>
                 </a:solidFill>
@@ -3161,25 +3068,18 @@
   <p:clrMapOvr>
     <a:masterClrMapping/>
   </p:clrMapOvr>
-  <mc:AlternateContent xmlns:mc="http://schemas.openxmlformats.org/markup-compatibility/2006">
-    <mc:Choice xmlns:p14="http://schemas.microsoft.com/office/powerpoint/2010/main" Requires="p14">
+  <mc:AlternateContent xmlns:mc="http://schemas.openxmlformats.org/markup-compatibility/2006" xmlns:p14="http://schemas.microsoft.com/office/powerpoint/2010/main">
+    <mc:Choice Requires="p14">
       <p:transition spd="med" p14:dur="700">
         <p:fade/>
       </p:transition>
     </mc:Choice>
-    <mc:Fallback>
+    <mc:Fallback xmlns="">
       <p:transition spd="med">
         <p:fade/>
       </p:transition>
     </mc:Fallback>
   </mc:AlternateContent>
-  <p:timing>
-    <p:tnLst>
-      <p:par>
-        <p:cTn id="1" dur="indefinite" restart="never" nodeType="tmRoot"/>
-      </p:par>
-    </p:tnLst>
-  </p:timing>
 </p:sld>
 </file>
 
@@ -3238,7 +3138,7 @@
           <a:p>
             <a:pPr algn="ctr"/>
             <a:r>
-              <a:rPr lang="en-US" sz="6600" b="1" smtClean="0">
+              <a:rPr lang="en-US" sz="6600" b="1">
                 <a:solidFill>
                   <a:sysClr val="windowText" lastClr="000000"/>
                 </a:solidFill>
@@ -3252,7 +3152,7 @@
               <a:t>Ngaøn muoân tim </a:t>
             </a:r>
             <a:br>
-              <a:rPr lang="en-US" sz="6600" b="1" smtClean="0">
+              <a:rPr lang="en-US" sz="6600" b="1">
                 <a:solidFill>
                   <a:sysClr val="windowText" lastClr="000000"/>
                 </a:solidFill>
@@ -3265,7 +3165,7 @@
               </a:rPr>
             </a:br>
             <a:r>
-              <a:rPr lang="en-US" sz="6600" b="1" smtClean="0">
+              <a:rPr lang="en-US" sz="6600" b="1">
                 <a:solidFill>
                   <a:sysClr val="windowText" lastClr="000000"/>
                 </a:solidFill>
@@ -3279,7 +3179,7 @@
               <a:t>than vaõn troâng an </a:t>
             </a:r>
             <a:br>
-              <a:rPr lang="en-US" sz="6600" b="1" smtClean="0">
+              <a:rPr lang="en-US" sz="6600" b="1">
                 <a:solidFill>
                   <a:sysClr val="windowText" lastClr="000000"/>
                 </a:solidFill>
@@ -3292,7 +3192,7 @@
               </a:rPr>
             </a:br>
             <a:r>
-              <a:rPr lang="en-US" sz="6600" b="1" smtClean="0">
+              <a:rPr lang="en-US" sz="6600" b="1">
                 <a:solidFill>
                   <a:sysClr val="windowText" lastClr="000000"/>
                 </a:solidFill>
@@ -3332,7 +3232,7 @@
           <a:p>
             <a:pPr algn="ctr"/>
             <a:r>
-              <a:rPr lang="en-US" sz="3400" smtClean="0">
+              <a:rPr lang="en-US" sz="3400" dirty="0">
                 <a:solidFill>
                   <a:srgbClr val="C00000"/>
                 </a:solidFill>
@@ -3341,7 +3241,7 @@
                     <a:prstClr val="white"/>
                   </a:glow>
                 </a:effectLst>
-                <a:latin typeface="HP-Kabel" pitchFamily="34" charset="0"/>
+                <a:latin typeface="VNI-Times" pitchFamily="2" charset="0"/>
               </a:rPr>
               <a:t>THAÙNH CA 56 – KYÛ NGUYEÂN THANH BÌNH</a:t>
             </a:r>
@@ -3358,21 +3258,6 @@
   <p:clrMapOvr>
     <a:overrideClrMapping bg1="lt1" tx1="dk1" bg2="lt2" tx2="dk2" accent1="accent1" accent2="accent2" accent3="accent3" accent4="accent4" accent5="accent5" accent6="accent6" hlink="hlink" folHlink="folHlink"/>
   </p:clrMapOvr>
-  <mc:AlternateContent xmlns:mc="http://schemas.openxmlformats.org/markup-compatibility/2006" xmlns:p14="http://schemas.microsoft.com/office/powerpoint/2010/main">
-    <mc:Choice Requires="p14">
-      <p:transition p14:dur="0"/>
-    </mc:Choice>
-    <mc:Fallback xmlns="">
-      <p:transition/>
-    </mc:Fallback>
-  </mc:AlternateContent>
-  <p:timing>
-    <p:tnLst>
-      <p:par>
-        <p:cTn id="1" dur="indefinite" restart="never" nodeType="tmRoot"/>
-      </p:par>
-    </p:tnLst>
-  </p:timing>
 </p:sld>
 </file>
 
@@ -3431,7 +3316,7 @@
           <a:p>
             <a:pPr algn="ctr"/>
             <a:r>
-              <a:rPr lang="en-US" sz="6600" b="1" smtClean="0">
+              <a:rPr lang="en-US" sz="6600" b="1">
                 <a:solidFill>
                   <a:sysClr val="windowText" lastClr="000000"/>
                 </a:solidFill>
@@ -3445,7 +3330,7 @@
               <a:t>Mau ñeán ngay </a:t>
             </a:r>
             <a:br>
-              <a:rPr lang="en-US" sz="6600" b="1" smtClean="0">
+              <a:rPr lang="en-US" sz="6600" b="1">
                 <a:solidFill>
                   <a:sysClr val="windowText" lastClr="000000"/>
                 </a:solidFill>
@@ -3458,7 +3343,7 @@
               </a:rPr>
             </a:br>
             <a:r>
-              <a:rPr lang="en-US" sz="6600" b="1" smtClean="0">
+              <a:rPr lang="en-US" sz="6600" b="1">
                 <a:solidFill>
                   <a:sysClr val="windowText" lastClr="000000"/>
                 </a:solidFill>
@@ -3472,7 +3357,7 @@
               <a:t>nghieâng treân ngöïc </a:t>
             </a:r>
             <a:br>
-              <a:rPr lang="en-US" sz="6600" b="1" smtClean="0">
+              <a:rPr lang="en-US" sz="6600" b="1">
                 <a:solidFill>
                   <a:sysClr val="windowText" lastClr="000000"/>
                 </a:solidFill>
@@ -3485,7 +3370,7 @@
               </a:rPr>
             </a:br>
             <a:r>
-              <a:rPr lang="en-US" sz="6600" b="1" smtClean="0">
+              <a:rPr lang="en-US" sz="6600" b="1">
                 <a:solidFill>
                   <a:sysClr val="windowText" lastClr="000000"/>
                 </a:solidFill>
@@ -3499,7 +3384,7 @@
               <a:t>Ngaøi, Vua thaùnh </a:t>
             </a:r>
             <a:br>
-              <a:rPr lang="en-US" sz="6600" b="1" smtClean="0">
+              <a:rPr lang="en-US" sz="6600" b="1">
                 <a:solidFill>
                   <a:sysClr val="windowText" lastClr="000000"/>
                 </a:solidFill>
@@ -3512,7 +3397,7 @@
               </a:rPr>
             </a:br>
             <a:r>
-              <a:rPr lang="en-US" sz="6600" b="1" smtClean="0">
+              <a:rPr lang="en-US" sz="6600" b="1">
                 <a:solidFill>
                   <a:sysClr val="windowText" lastClr="000000"/>
                 </a:solidFill>
@@ -3552,7 +3437,7 @@
           <a:p>
             <a:pPr algn="ctr"/>
             <a:r>
-              <a:rPr lang="en-US" sz="3400" smtClean="0">
+              <a:rPr lang="en-US" sz="3400" dirty="0">
                 <a:solidFill>
                   <a:srgbClr val="C00000"/>
                 </a:solidFill>
@@ -3561,7 +3446,7 @@
                     <a:prstClr val="white"/>
                   </a:glow>
                 </a:effectLst>
-                <a:latin typeface="HP-Kabel" pitchFamily="34" charset="0"/>
+                <a:latin typeface="VNI-Times" pitchFamily="2" charset="0"/>
               </a:rPr>
               <a:t>THAÙNH CA 56 – KYÛ NGUYEÂN THANH BÌNH</a:t>
             </a:r>
@@ -3578,21 +3463,6 @@
   <p:clrMapOvr>
     <a:overrideClrMapping bg1="lt1" tx1="dk1" bg2="lt2" tx2="dk2" accent1="accent1" accent2="accent2" accent3="accent3" accent4="accent4" accent5="accent5" accent6="accent6" hlink="hlink" folHlink="folHlink"/>
   </p:clrMapOvr>
-  <mc:AlternateContent xmlns:mc="http://schemas.openxmlformats.org/markup-compatibility/2006" xmlns:p14="http://schemas.microsoft.com/office/powerpoint/2010/main">
-    <mc:Choice Requires="p14">
-      <p:transition p14:dur="0"/>
-    </mc:Choice>
-    <mc:Fallback xmlns="">
-      <p:transition/>
-    </mc:Fallback>
-  </mc:AlternateContent>
-  <p:timing>
-    <p:tnLst>
-      <p:par>
-        <p:cTn id="1" dur="indefinite" restart="never" nodeType="tmRoot"/>
-      </p:par>
-    </p:tnLst>
-  </p:timing>
 </p:sld>
 </file>
 
@@ -3651,7 +3521,7 @@
           <a:p>
             <a:pPr algn="ctr"/>
             <a:r>
-              <a:rPr lang="en-US" sz="6600" b="1" smtClean="0">
+              <a:rPr lang="en-US" sz="6600" b="1">
                 <a:solidFill>
                   <a:sysClr val="windowText" lastClr="000000"/>
                 </a:solidFill>
@@ -3665,7 +3535,7 @@
               <a:t>Kìa, Thaàn Nhaân Jeâsus ñeán, ñem kyû nguyeân </a:t>
             </a:r>
             <a:br>
-              <a:rPr lang="en-US" sz="6600" b="1" smtClean="0">
+              <a:rPr lang="en-US" sz="6600" b="1">
                 <a:solidFill>
                   <a:sysClr val="windowText" lastClr="000000"/>
                 </a:solidFill>
@@ -3678,7 +3548,7 @@
               </a:rPr>
             </a:br>
             <a:r>
-              <a:rPr lang="en-US" sz="6600" b="1" smtClean="0">
+              <a:rPr lang="en-US" sz="6600" b="1">
                 <a:solidFill>
                   <a:sysClr val="windowText" lastClr="000000"/>
                 </a:solidFill>
@@ -3718,7 +3588,7 @@
           <a:p>
             <a:pPr algn="ctr"/>
             <a:r>
-              <a:rPr lang="en-US" sz="3400" smtClean="0">
+              <a:rPr lang="en-US" sz="3400" dirty="0">
                 <a:solidFill>
                   <a:srgbClr val="C00000"/>
                 </a:solidFill>
@@ -3727,7 +3597,7 @@
                     <a:prstClr val="white"/>
                   </a:glow>
                 </a:effectLst>
-                <a:latin typeface="HP-Kabel" pitchFamily="34" charset="0"/>
+                <a:latin typeface="VNI-Times" pitchFamily="2" charset="0"/>
               </a:rPr>
               <a:t>THAÙNH CA 56 – KYÛ NGUYEÂN THANH BÌNH</a:t>
             </a:r>
@@ -3744,21 +3614,6 @@
   <p:clrMapOvr>
     <a:overrideClrMapping bg1="lt1" tx1="dk1" bg2="lt2" tx2="dk2" accent1="accent1" accent2="accent2" accent3="accent3" accent4="accent4" accent5="accent5" accent6="accent6" hlink="hlink" folHlink="folHlink"/>
   </p:clrMapOvr>
-  <mc:AlternateContent xmlns:mc="http://schemas.openxmlformats.org/markup-compatibility/2006" xmlns:p14="http://schemas.microsoft.com/office/powerpoint/2010/main">
-    <mc:Choice Requires="p14">
-      <p:transition p14:dur="0"/>
-    </mc:Choice>
-    <mc:Fallback xmlns="">
-      <p:transition/>
-    </mc:Fallback>
-  </mc:AlternateContent>
-  <p:timing>
-    <p:tnLst>
-      <p:par>
-        <p:cTn id="1" dur="indefinite" restart="never" nodeType="tmRoot"/>
-      </p:par>
-    </p:tnLst>
-  </p:timing>
 </p:sld>
 </file>
 
@@ -3803,7 +3658,7 @@
           <a:p>
             <a:pPr algn="ctr"/>
             <a:r>
-              <a:rPr lang="en-US" sz="3400" smtClean="0">
+              <a:rPr lang="en-US" sz="3400" dirty="0">
                 <a:solidFill>
                   <a:srgbClr val="C00000"/>
                 </a:solidFill>
@@ -3812,7 +3667,7 @@
                     <a:prstClr val="white"/>
                   </a:glow>
                 </a:effectLst>
-                <a:latin typeface="HP-Kabel" pitchFamily="34" charset="0"/>
+                <a:latin typeface="VNI-Times" pitchFamily="2" charset="0"/>
               </a:rPr>
               <a:t>THAÙNH CA 56 – KYÛ NGUYEÂN THANH BÌNH</a:t>
             </a:r>
@@ -3871,7 +3726,7 @@
               <a:t> </a:t>
             </a:r>
             <a:r>
-              <a:rPr lang="en-US" sz="6600" b="1" smtClean="0">
+              <a:rPr lang="en-US" sz="6600" b="1">
                 <a:solidFill>
                   <a:sysClr val="windowText" lastClr="000000"/>
                 </a:solidFill>
@@ -3885,7 +3740,7 @@
               <a:t>Tieáng chuoâng löøng vang ñoùn möøng </a:t>
             </a:r>
             <a:br>
-              <a:rPr lang="en-US" sz="6600" b="1" smtClean="0">
+              <a:rPr lang="en-US" sz="6600" b="1">
                 <a:solidFill>
                   <a:sysClr val="windowText" lastClr="000000"/>
                 </a:solidFill>
@@ -3898,7 +3753,7 @@
               </a:rPr>
             </a:br>
             <a:r>
-              <a:rPr lang="en-US" sz="6600" b="1" smtClean="0">
+              <a:rPr lang="en-US" sz="6600" b="1">
                 <a:solidFill>
                   <a:sysClr val="windowText" lastClr="000000"/>
                 </a:solidFill>
@@ -3912,7 +3767,7 @@
               <a:t>ñeâm maàu nhieäm</a:t>
             </a:r>
             <a:br>
-              <a:rPr lang="en-US" sz="6600" b="1" smtClean="0">
+              <a:rPr lang="en-US" sz="6600" b="1">
                 <a:solidFill>
                   <a:sysClr val="windowText" lastClr="000000"/>
                 </a:solidFill>
@@ -3925,7 +3780,7 @@
               </a:rPr>
             </a:br>
             <a:r>
-              <a:rPr lang="en-US" sz="6600" b="1" smtClean="0">
+              <a:rPr lang="en-US" sz="6600" b="1">
                 <a:solidFill>
                   <a:sysClr val="windowText" lastClr="000000"/>
                 </a:solidFill>
@@ -3965,13 +3820,6 @@
   <p:transition spd="slow">
     <p:randomBar dir="vert"/>
   </p:transition>
-  <p:timing>
-    <p:tnLst>
-      <p:par>
-        <p:cTn id="1" dur="indefinite" restart="never" nodeType="tmRoot"/>
-      </p:par>
-    </p:tnLst>
-  </p:timing>
 </p:sld>
 </file>
 
@@ -4030,7 +3878,7 @@
           <a:p>
             <a:pPr algn="ctr"/>
             <a:r>
-              <a:rPr lang="en-US" sz="4400" b="1" i="1" u="sng" smtClean="0">
+              <a:rPr lang="en-US" sz="4400" b="1" i="1" u="sng">
                 <a:solidFill>
                   <a:sysClr val="windowText" lastClr="000000"/>
                 </a:solidFill>
@@ -4044,7 +3892,7 @@
               <a:t>ÑK:</a:t>
             </a:r>
             <a:r>
-              <a:rPr lang="en-US" sz="6600" b="1" smtClean="0">
+              <a:rPr lang="en-US" sz="6600" b="1">
                 <a:solidFill>
                   <a:sysClr val="windowText" lastClr="000000"/>
                 </a:solidFill>
@@ -4084,7 +3932,7 @@
           <a:p>
             <a:pPr algn="ctr"/>
             <a:r>
-              <a:rPr lang="en-US" sz="3400" smtClean="0">
+              <a:rPr lang="en-US" sz="3400" dirty="0">
                 <a:solidFill>
                   <a:srgbClr val="C00000"/>
                 </a:solidFill>
@@ -4093,7 +3941,7 @@
                     <a:prstClr val="white"/>
                   </a:glow>
                 </a:effectLst>
-                <a:latin typeface="HP-Kabel" pitchFamily="34" charset="0"/>
+                <a:latin typeface="VNI-Times" pitchFamily="2" charset="0"/>
               </a:rPr>
               <a:t>THAÙNH CA 56 – KYÛ NGUYEÂN THANH BÌNH</a:t>
             </a:r>
@@ -4110,21 +3958,6 @@
   <p:clrMapOvr>
     <a:overrideClrMapping bg1="lt1" tx1="dk1" bg2="lt2" tx2="dk2" accent1="accent1" accent2="accent2" accent3="accent3" accent4="accent4" accent5="accent5" accent6="accent6" hlink="hlink" folHlink="folHlink"/>
   </p:clrMapOvr>
-  <mc:AlternateContent xmlns:mc="http://schemas.openxmlformats.org/markup-compatibility/2006" xmlns:p14="http://schemas.microsoft.com/office/powerpoint/2010/main">
-    <mc:Choice Requires="p14">
-      <p:transition p14:dur="0"/>
-    </mc:Choice>
-    <mc:Fallback xmlns="">
-      <p:transition/>
-    </mc:Fallback>
-  </mc:AlternateContent>
-  <p:timing>
-    <p:tnLst>
-      <p:par>
-        <p:cTn id="1" dur="indefinite" restart="never" nodeType="tmRoot"/>
-      </p:par>
-    </p:tnLst>
-  </p:timing>
 </p:sld>
 </file>
 
@@ -4183,7 +4016,7 @@
           <a:p>
             <a:pPr algn="ctr"/>
             <a:r>
-              <a:rPr lang="en-US" sz="6600" b="1" smtClean="0">
+              <a:rPr lang="en-US" sz="6600" b="1">
                 <a:solidFill>
                   <a:sysClr val="windowText" lastClr="000000"/>
                 </a:solidFill>
@@ -4197,7 +4030,7 @@
               <a:t>Xöôùng ca danh </a:t>
             </a:r>
             <a:br>
-              <a:rPr lang="en-US" sz="6600" b="1" smtClean="0">
+              <a:rPr lang="en-US" sz="6600" b="1">
                 <a:solidFill>
                   <a:sysClr val="windowText" lastClr="000000"/>
                 </a:solidFill>
@@ -4210,7 +4043,7 @@
               </a:rPr>
             </a:br>
             <a:r>
-              <a:rPr lang="en-US" sz="6600" b="1" smtClean="0">
+              <a:rPr lang="en-US" sz="6600" b="1">
                 <a:solidFill>
                   <a:sysClr val="windowText" lastClr="000000"/>
                 </a:solidFill>
@@ -4224,7 +4057,7 @@
               <a:t>Jeâsus muoân ñôøi! </a:t>
             </a:r>
             <a:br>
-              <a:rPr lang="en-US" sz="6600" b="1" smtClean="0">
+              <a:rPr lang="en-US" sz="6600" b="1">
                 <a:solidFill>
                   <a:sysClr val="windowText" lastClr="000000"/>
                 </a:solidFill>
@@ -4237,7 +4070,7 @@
               </a:rPr>
             </a:br>
             <a:r>
-              <a:rPr lang="en-US" sz="6600" b="1" smtClean="0">
+              <a:rPr lang="en-US" sz="6600" b="1">
                 <a:solidFill>
                   <a:sysClr val="windowText" lastClr="000000"/>
                 </a:solidFill>
@@ -4251,7 +4084,7 @@
               <a:t>Taùn döông Vua </a:t>
             </a:r>
             <a:br>
-              <a:rPr lang="en-US" sz="6600" b="1" smtClean="0">
+              <a:rPr lang="en-US" sz="6600" b="1">
                 <a:solidFill>
                   <a:sysClr val="windowText" lastClr="000000"/>
                 </a:solidFill>
@@ -4264,7 +4097,7 @@
               </a:rPr>
             </a:br>
             <a:r>
-              <a:rPr lang="en-US" sz="6600" b="1" smtClean="0">
+              <a:rPr lang="en-US" sz="6600" b="1">
                 <a:solidFill>
                   <a:sysClr val="windowText" lastClr="000000"/>
                 </a:solidFill>
@@ -4304,7 +4137,7 @@
           <a:p>
             <a:pPr algn="ctr"/>
             <a:r>
-              <a:rPr lang="en-US" sz="3400" smtClean="0">
+              <a:rPr lang="en-US" sz="3400" dirty="0">
                 <a:solidFill>
                   <a:srgbClr val="C00000"/>
                 </a:solidFill>
@@ -4313,7 +4146,7 @@
                     <a:prstClr val="white"/>
                   </a:glow>
                 </a:effectLst>
-                <a:latin typeface="HP-Kabel" pitchFamily="34" charset="0"/>
+                <a:latin typeface="VNI-Times" pitchFamily="2" charset="0"/>
               </a:rPr>
               <a:t>THAÙNH CA 56 – KYÛ NGUYEÂN THANH BÌNH</a:t>
             </a:r>
@@ -4330,21 +4163,6 @@
   <p:clrMapOvr>
     <a:overrideClrMapping bg1="lt1" tx1="dk1" bg2="lt2" tx2="dk2" accent1="accent1" accent2="accent2" accent3="accent3" accent4="accent4" accent5="accent5" accent6="accent6" hlink="hlink" folHlink="folHlink"/>
   </p:clrMapOvr>
-  <mc:AlternateContent xmlns:mc="http://schemas.openxmlformats.org/markup-compatibility/2006" xmlns:p14="http://schemas.microsoft.com/office/powerpoint/2010/main">
-    <mc:Choice Requires="p14">
-      <p:transition p14:dur="0"/>
-    </mc:Choice>
-    <mc:Fallback xmlns="">
-      <p:transition/>
-    </mc:Fallback>
-  </mc:AlternateContent>
-  <p:timing>
-    <p:tnLst>
-      <p:par>
-        <p:cTn id="1" dur="indefinite" restart="never" nodeType="tmRoot"/>
-      </p:par>
-    </p:tnLst>
-  </p:timing>
 </p:sld>
 </file>
 
@@ -4403,7 +4221,7 @@
           <a:p>
             <a:pPr algn="ctr"/>
             <a:r>
-              <a:rPr lang="en-US" sz="6600" b="1" smtClean="0">
+              <a:rPr lang="en-US" sz="6600" b="1">
                 <a:solidFill>
                   <a:sysClr val="windowText" lastClr="000000"/>
                 </a:solidFill>
@@ -4417,7 +4235,7 @@
               <a:t>Huyeàn dieäu </a:t>
             </a:r>
             <a:br>
-              <a:rPr lang="en-US" sz="6600" b="1" smtClean="0">
+              <a:rPr lang="en-US" sz="6600" b="1">
                 <a:solidFill>
                   <a:sysClr val="windowText" lastClr="000000"/>
                 </a:solidFill>
@@ -4430,7 +4248,7 @@
               </a:rPr>
             </a:br>
             <a:r>
-              <a:rPr lang="en-US" sz="6600" b="1" smtClean="0">
+              <a:rPr lang="en-US" sz="6600" b="1">
                 <a:solidFill>
                   <a:sysClr val="windowText" lastClr="000000"/>
                 </a:solidFill>
@@ -4444,7 +4262,7 @@
               <a:t>thay Jeâsus ñeán, </a:t>
             </a:r>
             <a:br>
-              <a:rPr lang="en-US" sz="6600" b="1" smtClean="0">
+              <a:rPr lang="en-US" sz="6600" b="1">
                 <a:solidFill>
                   <a:sysClr val="windowText" lastClr="000000"/>
                 </a:solidFill>
@@ -4457,7 +4275,7 @@
               </a:rPr>
             </a:br>
             <a:r>
-              <a:rPr lang="en-US" sz="6600" b="1" smtClean="0">
+              <a:rPr lang="en-US" sz="6600" b="1">
                 <a:solidFill>
                   <a:sysClr val="windowText" lastClr="000000"/>
                 </a:solidFill>
@@ -4471,7 +4289,7 @@
               <a:t>ñem kyû nguyeân </a:t>
             </a:r>
             <a:br>
-              <a:rPr lang="en-US" sz="6600" b="1" smtClean="0">
+              <a:rPr lang="en-US" sz="6600" b="1">
                 <a:solidFill>
                   <a:sysClr val="windowText" lastClr="000000"/>
                 </a:solidFill>
@@ -4484,7 +4302,7 @@
               </a:rPr>
             </a:br>
             <a:r>
-              <a:rPr lang="en-US" sz="6600" b="1" smtClean="0">
+              <a:rPr lang="en-US" sz="6600" b="1">
                 <a:solidFill>
                   <a:sysClr val="windowText" lastClr="000000"/>
                 </a:solidFill>
@@ -4524,7 +4342,7 @@
           <a:p>
             <a:pPr algn="ctr"/>
             <a:r>
-              <a:rPr lang="en-US" sz="3400" smtClean="0">
+              <a:rPr lang="en-US" sz="3400" dirty="0">
                 <a:solidFill>
                   <a:srgbClr val="C00000"/>
                 </a:solidFill>
@@ -4533,7 +4351,7 @@
                     <a:prstClr val="white"/>
                   </a:glow>
                 </a:effectLst>
-                <a:latin typeface="HP-Kabel" pitchFamily="34" charset="0"/>
+                <a:latin typeface="VNI-Times" pitchFamily="2" charset="0"/>
               </a:rPr>
               <a:t>THAÙNH CA 56 – KYÛ NGUYEÂN THANH BÌNH</a:t>
             </a:r>
@@ -4550,21 +4368,6 @@
   <p:clrMapOvr>
     <a:overrideClrMapping bg1="lt1" tx1="dk1" bg2="lt2" tx2="dk2" accent1="accent1" accent2="accent2" accent3="accent3" accent4="accent4" accent5="accent5" accent6="accent6" hlink="hlink" folHlink="folHlink"/>
   </p:clrMapOvr>
-  <mc:AlternateContent xmlns:mc="http://schemas.openxmlformats.org/markup-compatibility/2006" xmlns:p14="http://schemas.microsoft.com/office/powerpoint/2010/main">
-    <mc:Choice Requires="p14">
-      <p:transition p14:dur="0"/>
-    </mc:Choice>
-    <mc:Fallback xmlns="">
-      <p:transition/>
-    </mc:Fallback>
-  </mc:AlternateContent>
-  <p:timing>
-    <p:tnLst>
-      <p:par>
-        <p:cTn id="1" dur="indefinite" restart="never" nodeType="tmRoot"/>
-      </p:par>
-    </p:tnLst>
-  </p:timing>
 </p:sld>
 </file>
 
@@ -4623,7 +4426,7 @@
           <a:p>
             <a:pPr algn="ctr"/>
             <a:r>
-              <a:rPr lang="en-US" sz="6600" b="1" smtClean="0">
+              <a:rPr lang="en-US" sz="6600" b="1">
                 <a:solidFill>
                   <a:sysClr val="windowText" lastClr="000000"/>
                 </a:solidFill>
@@ -4637,7 +4440,7 @@
               <a:t>Ngaøn xöa muoân </a:t>
             </a:r>
             <a:br>
-              <a:rPr lang="en-US" sz="6600" b="1" smtClean="0">
+              <a:rPr lang="en-US" sz="6600" b="1">
                 <a:solidFill>
                   <a:sysClr val="windowText" lastClr="000000"/>
                 </a:solidFill>
@@ -4650,7 +4453,7 @@
               </a:rPr>
             </a:br>
             <a:r>
-              <a:rPr lang="en-US" sz="6600" b="1" smtClean="0">
+              <a:rPr lang="en-US" sz="6600" b="1">
                 <a:solidFill>
                   <a:sysClr val="windowText" lastClr="000000"/>
                 </a:solidFill>
@@ -4664,7 +4467,7 @@
               <a:t>thieân söù haân hoan </a:t>
             </a:r>
             <a:br>
-              <a:rPr lang="en-US" sz="6600" b="1" smtClean="0">
+              <a:rPr lang="en-US" sz="6600" b="1">
                 <a:solidFill>
                   <a:sysClr val="windowText" lastClr="000000"/>
                 </a:solidFill>
@@ -4677,7 +4480,7 @@
               </a:rPr>
             </a:br>
             <a:r>
-              <a:rPr lang="en-US" sz="6600" b="1" smtClean="0">
+              <a:rPr lang="en-US" sz="6600" b="1">
                 <a:solidFill>
                   <a:sysClr val="windowText" lastClr="000000"/>
                 </a:solidFill>
@@ -4717,7 +4520,7 @@
           <a:p>
             <a:pPr algn="ctr"/>
             <a:r>
-              <a:rPr lang="en-US" sz="3400" smtClean="0">
+              <a:rPr lang="en-US" sz="3400" dirty="0">
                 <a:solidFill>
                   <a:srgbClr val="C00000"/>
                 </a:solidFill>
@@ -4726,7 +4529,7 @@
                     <a:prstClr val="white"/>
                   </a:glow>
                 </a:effectLst>
-                <a:latin typeface="HP-Kabel" pitchFamily="34" charset="0"/>
+                <a:latin typeface="VNI-Times" pitchFamily="2" charset="0"/>
               </a:rPr>
               <a:t>THAÙNH CA 56 – KYÛ NGUYEÂN THANH BÌNH</a:t>
             </a:r>
@@ -4743,21 +4546,6 @@
   <p:clrMapOvr>
     <a:overrideClrMapping bg1="lt1" tx1="dk1" bg2="lt2" tx2="dk2" accent1="accent1" accent2="accent2" accent3="accent3" accent4="accent4" accent5="accent5" accent6="accent6" hlink="hlink" folHlink="folHlink"/>
   </p:clrMapOvr>
-  <mc:AlternateContent xmlns:mc="http://schemas.openxmlformats.org/markup-compatibility/2006" xmlns:p14="http://schemas.microsoft.com/office/powerpoint/2010/main">
-    <mc:Choice Requires="p14">
-      <p:transition p14:dur="0"/>
-    </mc:Choice>
-    <mc:Fallback xmlns="">
-      <p:transition/>
-    </mc:Fallback>
-  </mc:AlternateContent>
-  <p:timing>
-    <p:tnLst>
-      <p:par>
-        <p:cTn id="1" dur="indefinite" restart="never" nodeType="tmRoot"/>
-      </p:par>
-    </p:tnLst>
-  </p:timing>
 </p:sld>
 </file>
 
@@ -4816,7 +4604,7 @@
           <a:p>
             <a:pPr algn="ctr"/>
             <a:r>
-              <a:rPr lang="en-US" sz="6600" b="1" smtClean="0">
+              <a:rPr lang="en-US" sz="6600" b="1">
                 <a:solidFill>
                   <a:sysClr val="windowText" lastClr="000000"/>
                 </a:solidFill>
@@ -4833,7 +4621,7 @@
           <a:p>
             <a:pPr algn="ctr"/>
             <a:r>
-              <a:rPr lang="en-US" sz="6600" b="1" smtClean="0">
+              <a:rPr lang="en-US" sz="6600" b="1">
                 <a:solidFill>
                   <a:sysClr val="windowText" lastClr="000000"/>
                 </a:solidFill>
@@ -4850,7 +4638,7 @@
           <a:p>
             <a:pPr algn="ctr"/>
             <a:r>
-              <a:rPr lang="en-US" sz="6600" b="1" smtClean="0">
+              <a:rPr lang="en-US" sz="6600" b="1">
                 <a:solidFill>
                   <a:sysClr val="windowText" lastClr="000000"/>
                 </a:solidFill>
@@ -4864,7 +4652,7 @@
               <a:t> hoan hæ, voâ song </a:t>
             </a:r>
             <a:br>
-              <a:rPr lang="en-US" sz="6600" b="1" smtClean="0">
+              <a:rPr lang="en-US" sz="6600" b="1">
                 <a:solidFill>
                   <a:sysClr val="windowText" lastClr="000000"/>
                 </a:solidFill>
@@ -4877,7 +4665,7 @@
               </a:rPr>
             </a:br>
             <a:r>
-              <a:rPr lang="en-US" sz="6600" b="1" smtClean="0">
+              <a:rPr lang="en-US" sz="6600" b="1">
                 <a:solidFill>
                   <a:sysClr val="windowText" lastClr="000000"/>
                 </a:solidFill>
@@ -4917,7 +4705,7 @@
           <a:p>
             <a:pPr algn="ctr"/>
             <a:r>
-              <a:rPr lang="en-US" sz="3400" smtClean="0">
+              <a:rPr lang="en-US" sz="3400" dirty="0">
                 <a:solidFill>
                   <a:srgbClr val="C00000"/>
                 </a:solidFill>
@@ -4926,7 +4714,7 @@
                     <a:prstClr val="white"/>
                   </a:glow>
                 </a:effectLst>
-                <a:latin typeface="HP-Kabel" pitchFamily="34" charset="0"/>
+                <a:latin typeface="VNI-Times" pitchFamily="2" charset="0"/>
               </a:rPr>
               <a:t>THAÙNH CA 56 – KYÛ NGUYEÂN THANH BÌNH</a:t>
             </a:r>
@@ -4943,21 +4731,6 @@
   <p:clrMapOvr>
     <a:overrideClrMapping bg1="lt1" tx1="dk1" bg2="lt2" tx2="dk2" accent1="accent1" accent2="accent2" accent3="accent3" accent4="accent4" accent5="accent5" accent6="accent6" hlink="hlink" folHlink="folHlink"/>
   </p:clrMapOvr>
-  <mc:AlternateContent xmlns:mc="http://schemas.openxmlformats.org/markup-compatibility/2006" xmlns:p14="http://schemas.microsoft.com/office/powerpoint/2010/main">
-    <mc:Choice Requires="p14">
-      <p:transition p14:dur="0"/>
-    </mc:Choice>
-    <mc:Fallback xmlns="">
-      <p:transition/>
-    </mc:Fallback>
-  </mc:AlternateContent>
-  <p:timing>
-    <p:tnLst>
-      <p:par>
-        <p:cTn id="1" dur="indefinite" restart="never" nodeType="tmRoot"/>
-      </p:par>
-    </p:tnLst>
-  </p:timing>
 </p:sld>
 </file>
 
@@ -5016,7 +4789,7 @@
           <a:p>
             <a:pPr algn="ctr"/>
             <a:r>
-              <a:rPr lang="en-US" sz="6600" b="1" smtClean="0">
+              <a:rPr lang="en-US" sz="6600" b="1">
                 <a:solidFill>
                   <a:sysClr val="windowText" lastClr="000000"/>
                 </a:solidFill>
@@ -5030,7 +4803,7 @@
               <a:t>Vì Haøi Nhi Jeâsus ñeán, ñem kyû nguyeân </a:t>
             </a:r>
             <a:br>
-              <a:rPr lang="en-US" sz="6600" b="1" smtClean="0">
+              <a:rPr lang="en-US" sz="6600" b="1">
                 <a:solidFill>
                   <a:sysClr val="windowText" lastClr="000000"/>
                 </a:solidFill>
@@ -5043,7 +4816,7 @@
               </a:rPr>
             </a:br>
             <a:r>
-              <a:rPr lang="en-US" sz="6600" b="1" smtClean="0">
+              <a:rPr lang="en-US" sz="6600" b="1">
                 <a:solidFill>
                   <a:sysClr val="windowText" lastClr="000000"/>
                 </a:solidFill>
@@ -5083,7 +4856,7 @@
           <a:p>
             <a:pPr algn="ctr"/>
             <a:r>
-              <a:rPr lang="en-US" sz="3400" smtClean="0">
+              <a:rPr lang="en-US" sz="3400" dirty="0">
                 <a:solidFill>
                   <a:srgbClr val="C00000"/>
                 </a:solidFill>
@@ -5092,7 +4865,7 @@
                     <a:prstClr val="white"/>
                   </a:glow>
                 </a:effectLst>
-                <a:latin typeface="HP-Kabel" pitchFamily="34" charset="0"/>
+                <a:latin typeface="VNI-Times" pitchFamily="2" charset="0"/>
               </a:rPr>
               <a:t>THAÙNH CA 56 – KYÛ NGUYEÂN THANH BÌNH</a:t>
             </a:r>
@@ -5109,21 +4882,6 @@
   <p:clrMapOvr>
     <a:overrideClrMapping bg1="lt1" tx1="dk1" bg2="lt2" tx2="dk2" accent1="accent1" accent2="accent2" accent3="accent3" accent4="accent4" accent5="accent5" accent6="accent6" hlink="hlink" folHlink="folHlink"/>
   </p:clrMapOvr>
-  <mc:AlternateContent xmlns:mc="http://schemas.openxmlformats.org/markup-compatibility/2006" xmlns:p14="http://schemas.microsoft.com/office/powerpoint/2010/main">
-    <mc:Choice Requires="p14">
-      <p:transition p14:dur="0"/>
-    </mc:Choice>
-    <mc:Fallback xmlns="">
-      <p:transition/>
-    </mc:Fallback>
-  </mc:AlternateContent>
-  <p:timing>
-    <p:tnLst>
-      <p:par>
-        <p:cTn id="1" dur="indefinite" restart="never" nodeType="tmRoot"/>
-      </p:par>
-    </p:tnLst>
-  </p:timing>
 </p:sld>
 </file>
 
@@ -5182,7 +4940,7 @@
           <a:p>
             <a:pPr algn="ctr"/>
             <a:r>
-              <a:rPr lang="en-US" sz="4400" b="1" i="1" u="sng" smtClean="0">
+              <a:rPr lang="en-US" sz="4400" b="1" i="1" u="sng">
                 <a:solidFill>
                   <a:sysClr val="windowText" lastClr="000000"/>
                 </a:solidFill>
@@ -5196,7 +4954,7 @@
               <a:t>ÑK:</a:t>
             </a:r>
             <a:r>
-              <a:rPr lang="en-US" sz="6600" b="1" smtClean="0">
+              <a:rPr lang="en-US" sz="6600" b="1">
                 <a:solidFill>
                   <a:sysClr val="windowText" lastClr="000000"/>
                 </a:solidFill>
@@ -5236,7 +4994,7 @@
           <a:p>
             <a:pPr algn="ctr"/>
             <a:r>
-              <a:rPr lang="en-US" sz="3400" smtClean="0">
+              <a:rPr lang="en-US" sz="3400" dirty="0">
                 <a:solidFill>
                   <a:srgbClr val="C00000"/>
                 </a:solidFill>
@@ -5245,7 +5003,7 @@
                     <a:prstClr val="white"/>
                   </a:glow>
                 </a:effectLst>
-                <a:latin typeface="HP-Kabel" pitchFamily="34" charset="0"/>
+                <a:latin typeface="VNI-Times" pitchFamily="2" charset="0"/>
               </a:rPr>
               <a:t>THAÙNH CA 56 – KYÛ NGUYEÂN THANH BÌNH</a:t>
             </a:r>
@@ -5262,21 +5020,6 @@
   <p:clrMapOvr>
     <a:overrideClrMapping bg1="lt1" tx1="dk1" bg2="lt2" tx2="dk2" accent1="accent1" accent2="accent2" accent3="accent3" accent4="accent4" accent5="accent5" accent6="accent6" hlink="hlink" folHlink="folHlink"/>
   </p:clrMapOvr>
-  <mc:AlternateContent xmlns:mc="http://schemas.openxmlformats.org/markup-compatibility/2006" xmlns:p14="http://schemas.microsoft.com/office/powerpoint/2010/main">
-    <mc:Choice Requires="p14">
-      <p:transition p14:dur="0"/>
-    </mc:Choice>
-    <mc:Fallback xmlns="">
-      <p:transition/>
-    </mc:Fallback>
-  </mc:AlternateContent>
-  <p:timing>
-    <p:tnLst>
-      <p:par>
-        <p:cTn id="1" dur="indefinite" restart="never" nodeType="tmRoot"/>
-      </p:par>
-    </p:tnLst>
-  </p:timing>
 </p:sld>
 </file>
 
@@ -5335,7 +5078,7 @@
           <a:p>
             <a:pPr algn="ctr"/>
             <a:r>
-              <a:rPr lang="en-US" sz="6600" b="1" smtClean="0">
+              <a:rPr lang="en-US" sz="6600" b="1">
                 <a:solidFill>
                   <a:sysClr val="windowText" lastClr="000000"/>
                 </a:solidFill>
@@ -5349,7 +5092,7 @@
               <a:t>Xöôùng ca danh </a:t>
             </a:r>
             <a:br>
-              <a:rPr lang="en-US" sz="6600" b="1" smtClean="0">
+              <a:rPr lang="en-US" sz="6600" b="1">
                 <a:solidFill>
                   <a:sysClr val="windowText" lastClr="000000"/>
                 </a:solidFill>
@@ -5362,7 +5105,7 @@
               </a:rPr>
             </a:br>
             <a:r>
-              <a:rPr lang="en-US" sz="6600" b="1" smtClean="0">
+              <a:rPr lang="en-US" sz="6600" b="1">
                 <a:solidFill>
                   <a:sysClr val="windowText" lastClr="000000"/>
                 </a:solidFill>
@@ -5376,7 +5119,7 @@
               <a:t>Jeâsus muoân ñôøi! </a:t>
             </a:r>
             <a:br>
-              <a:rPr lang="en-US" sz="6600" b="1" smtClean="0">
+              <a:rPr lang="en-US" sz="6600" b="1">
                 <a:solidFill>
                   <a:sysClr val="windowText" lastClr="000000"/>
                 </a:solidFill>
@@ -5389,7 +5132,7 @@
               </a:rPr>
             </a:br>
             <a:r>
-              <a:rPr lang="en-US" sz="6600" b="1" smtClean="0">
+              <a:rPr lang="en-US" sz="6600" b="1">
                 <a:solidFill>
                   <a:sysClr val="windowText" lastClr="000000"/>
                 </a:solidFill>
@@ -5403,7 +5146,7 @@
               <a:t>Taùn döông Vua </a:t>
             </a:r>
             <a:br>
-              <a:rPr lang="en-US" sz="6600" b="1" smtClean="0">
+              <a:rPr lang="en-US" sz="6600" b="1">
                 <a:solidFill>
                   <a:sysClr val="windowText" lastClr="000000"/>
                 </a:solidFill>
@@ -5416,7 +5159,7 @@
               </a:rPr>
             </a:br>
             <a:r>
-              <a:rPr lang="en-US" sz="6600" b="1" smtClean="0">
+              <a:rPr lang="en-US" sz="6600" b="1">
                 <a:solidFill>
                   <a:sysClr val="windowText" lastClr="000000"/>
                 </a:solidFill>
@@ -5456,7 +5199,7 @@
           <a:p>
             <a:pPr algn="ctr"/>
             <a:r>
-              <a:rPr lang="en-US" sz="3400" smtClean="0">
+              <a:rPr lang="en-US" sz="3400" dirty="0">
                 <a:solidFill>
                   <a:srgbClr val="C00000"/>
                 </a:solidFill>
@@ -5465,7 +5208,7 @@
                     <a:prstClr val="white"/>
                   </a:glow>
                 </a:effectLst>
-                <a:latin typeface="HP-Kabel" pitchFamily="34" charset="0"/>
+                <a:latin typeface="VNI-Times" pitchFamily="2" charset="0"/>
               </a:rPr>
               <a:t>THAÙNH CA 56 – KYÛ NGUYEÂN THANH BÌNH</a:t>
             </a:r>
@@ -5482,21 +5225,6 @@
   <p:clrMapOvr>
     <a:overrideClrMapping bg1="lt1" tx1="dk1" bg2="lt2" tx2="dk2" accent1="accent1" accent2="accent2" accent3="accent3" accent4="accent4" accent5="accent5" accent6="accent6" hlink="hlink" folHlink="folHlink"/>
   </p:clrMapOvr>
-  <mc:AlternateContent xmlns:mc="http://schemas.openxmlformats.org/markup-compatibility/2006" xmlns:p14="http://schemas.microsoft.com/office/powerpoint/2010/main">
-    <mc:Choice Requires="p14">
-      <p:transition p14:dur="0"/>
-    </mc:Choice>
-    <mc:Fallback xmlns="">
-      <p:transition/>
-    </mc:Fallback>
-  </mc:AlternateContent>
-  <p:timing>
-    <p:tnLst>
-      <p:par>
-        <p:cTn id="1" dur="indefinite" restart="never" nodeType="tmRoot"/>
-      </p:par>
-    </p:tnLst>
-  </p:timing>
 </p:sld>
 </file>
 
@@ -5555,7 +5283,7 @@
           <a:p>
             <a:pPr algn="ctr"/>
             <a:r>
-              <a:rPr lang="en-US" sz="6600" b="1" smtClean="0">
+              <a:rPr lang="en-US" sz="6600" b="1">
                 <a:solidFill>
                   <a:sysClr val="windowText" lastClr="000000"/>
                 </a:solidFill>
@@ -5569,7 +5297,7 @@
               <a:t>Huyeàn dieäu </a:t>
             </a:r>
             <a:br>
-              <a:rPr lang="en-US" sz="6600" b="1" smtClean="0">
+              <a:rPr lang="en-US" sz="6600" b="1">
                 <a:solidFill>
                   <a:sysClr val="windowText" lastClr="000000"/>
                 </a:solidFill>
@@ -5582,7 +5310,7 @@
               </a:rPr>
             </a:br>
             <a:r>
-              <a:rPr lang="en-US" sz="6600" b="1" smtClean="0">
+              <a:rPr lang="en-US" sz="6600" b="1">
                 <a:solidFill>
                   <a:sysClr val="windowText" lastClr="000000"/>
                 </a:solidFill>
@@ -5596,7 +5324,7 @@
               <a:t>thay Jeâsus ñeán, </a:t>
             </a:r>
             <a:br>
-              <a:rPr lang="en-US" sz="6600" b="1" smtClean="0">
+              <a:rPr lang="en-US" sz="6600" b="1">
                 <a:solidFill>
                   <a:sysClr val="windowText" lastClr="000000"/>
                 </a:solidFill>
@@ -5609,7 +5337,7 @@
               </a:rPr>
             </a:br>
             <a:r>
-              <a:rPr lang="en-US" sz="6600" b="1" smtClean="0">
+              <a:rPr lang="en-US" sz="6600" b="1">
                 <a:solidFill>
                   <a:sysClr val="windowText" lastClr="000000"/>
                 </a:solidFill>
@@ -5623,7 +5351,7 @@
               <a:t>ñem kyû nguyeân </a:t>
             </a:r>
             <a:br>
-              <a:rPr lang="en-US" sz="6600" b="1" smtClean="0">
+              <a:rPr lang="en-US" sz="6600" b="1">
                 <a:solidFill>
                   <a:sysClr val="windowText" lastClr="000000"/>
                 </a:solidFill>
@@ -5636,7 +5364,7 @@
               </a:rPr>
             </a:br>
             <a:r>
-              <a:rPr lang="en-US" sz="6600" b="1" smtClean="0">
+              <a:rPr lang="en-US" sz="6600" b="1">
                 <a:solidFill>
                   <a:sysClr val="windowText" lastClr="000000"/>
                 </a:solidFill>
@@ -5676,7 +5404,7 @@
           <a:p>
             <a:pPr algn="ctr"/>
             <a:r>
-              <a:rPr lang="en-US" sz="3400" smtClean="0">
+              <a:rPr lang="en-US" sz="3400" dirty="0">
                 <a:solidFill>
                   <a:srgbClr val="C00000"/>
                 </a:solidFill>
@@ -5685,7 +5413,7 @@
                     <a:prstClr val="white"/>
                   </a:glow>
                 </a:effectLst>
-                <a:latin typeface="HP-Kabel" pitchFamily="34" charset="0"/>
+                <a:latin typeface="VNI-Times" pitchFamily="2" charset="0"/>
               </a:rPr>
               <a:t>THAÙNH CA 56 – KYÛ NGUYEÂN THANH BÌNH</a:t>
             </a:r>
@@ -5702,21 +5430,6 @@
   <p:clrMapOvr>
     <a:overrideClrMapping bg1="lt1" tx1="dk1" bg2="lt2" tx2="dk2" accent1="accent1" accent2="accent2" accent3="accent3" accent4="accent4" accent5="accent5" accent6="accent6" hlink="hlink" folHlink="folHlink"/>
   </p:clrMapOvr>
-  <mc:AlternateContent xmlns:mc="http://schemas.openxmlformats.org/markup-compatibility/2006" xmlns:p14="http://schemas.microsoft.com/office/powerpoint/2010/main">
-    <mc:Choice Requires="p14">
-      <p:transition p14:dur="0"/>
-    </mc:Choice>
-    <mc:Fallback xmlns="">
-      <p:transition/>
-    </mc:Fallback>
-  </mc:AlternateContent>
-  <p:timing>
-    <p:tnLst>
-      <p:par>
-        <p:cTn id="1" dur="indefinite" restart="never" nodeType="tmRoot"/>
-      </p:par>
-    </p:tnLst>
-  </p:timing>
 </p:sld>
 </file>
 
@@ -5761,7 +5474,7 @@
           <a:p>
             <a:pPr algn="ctr"/>
             <a:r>
-              <a:rPr lang="en-US" sz="3400" smtClean="0">
+              <a:rPr lang="en-US" sz="3400" dirty="0">
                 <a:solidFill>
                   <a:srgbClr val="C00000"/>
                 </a:solidFill>
@@ -5770,7 +5483,7 @@
                     <a:prstClr val="white"/>
                   </a:glow>
                 </a:effectLst>
-                <a:latin typeface="HP-Kabel" pitchFamily="34" charset="0"/>
+                <a:latin typeface="VNI-Times" pitchFamily="2" charset="0"/>
               </a:rPr>
               <a:t>THAÙNH CA 56 – KYÛ NGUYEÂN THANH BÌNH</a:t>
             </a:r>
@@ -5801,7 +5514,7 @@
           <a:p>
             <a:pPr algn="ctr"/>
             <a:r>
-              <a:rPr lang="en-US" sz="4000" b="1" smtClean="0">
+              <a:rPr lang="en-US" sz="4000" b="1">
                 <a:solidFill>
                   <a:sysClr val="windowText" lastClr="000000"/>
                 </a:solidFill>
@@ -5815,7 +5528,7 @@
               <a:t>2.</a:t>
             </a:r>
             <a:r>
-              <a:rPr lang="en-US" sz="6600" b="1" smtClean="0">
+              <a:rPr lang="en-US" sz="6600" b="1">
                 <a:solidFill>
                   <a:sysClr val="windowText" lastClr="000000"/>
                 </a:solidFill>
@@ -5829,7 +5542,7 @@
               <a:t> </a:t>
             </a:r>
             <a:r>
-              <a:rPr lang="en-US" sz="6600" b="1" smtClean="0">
+              <a:rPr lang="en-US" sz="6600" b="1">
                 <a:solidFill>
                   <a:sysClr val="windowText" lastClr="000000"/>
                 </a:solidFill>
@@ -5843,7 +5556,7 @@
               <a:t>Chuùa nhaân töø </a:t>
             </a:r>
             <a:br>
-              <a:rPr lang="en-US" sz="6600" b="1" smtClean="0">
+              <a:rPr lang="en-US" sz="6600" b="1">
                 <a:solidFill>
                   <a:sysClr val="windowText" lastClr="000000"/>
                 </a:solidFill>
@@ -5856,7 +5569,7 @@
               </a:rPr>
             </a:br>
             <a:r>
-              <a:rPr lang="en-US" sz="6600" b="1" smtClean="0">
+              <a:rPr lang="en-US" sz="6600" b="1">
                 <a:solidFill>
                   <a:sysClr val="windowText" lastClr="000000"/>
                 </a:solidFill>
@@ -5870,7 +5583,7 @@
               <a:t>thöông xoùt ngöôøi </a:t>
             </a:r>
             <a:br>
-              <a:rPr lang="en-US" sz="6600" b="1" smtClean="0">
+              <a:rPr lang="en-US" sz="6600" b="1">
                 <a:solidFill>
                   <a:sysClr val="windowText" lastClr="000000"/>
                 </a:solidFill>
@@ -5883,7 +5596,7 @@
               </a:rPr>
             </a:br>
             <a:r>
-              <a:rPr lang="en-US" sz="6600" b="1" smtClean="0">
+              <a:rPr lang="en-US" sz="6600" b="1">
                 <a:solidFill>
                   <a:sysClr val="windowText" lastClr="000000"/>
                 </a:solidFill>
@@ -5897,7 +5610,7 @@
               <a:t>toäi traàm luaân </a:t>
             </a:r>
             <a:br>
-              <a:rPr lang="en-US" sz="6600" b="1" smtClean="0">
+              <a:rPr lang="en-US" sz="6600" b="1">
                 <a:solidFill>
                   <a:sysClr val="windowText" lastClr="000000"/>
                 </a:solidFill>
@@ -5910,7 +5623,7 @@
               </a:rPr>
             </a:br>
             <a:r>
-              <a:rPr lang="en-US" sz="6600" b="1" smtClean="0">
+              <a:rPr lang="en-US" sz="6600" b="1">
                 <a:solidFill>
                   <a:sysClr val="windowText" lastClr="000000"/>
                 </a:solidFill>
@@ -5947,21 +5660,6 @@
   <p:clrMapOvr>
     <a:masterClrMapping/>
   </p:clrMapOvr>
-  <mc:AlternateContent xmlns:mc="http://schemas.openxmlformats.org/markup-compatibility/2006" xmlns:p14="http://schemas.microsoft.com/office/powerpoint/2010/main">
-    <mc:Choice Requires="p14">
-      <p:transition p14:dur="0"/>
-    </mc:Choice>
-    <mc:Fallback xmlns="">
-      <p:transition/>
-    </mc:Fallback>
-  </mc:AlternateContent>
-  <p:timing>
-    <p:tnLst>
-      <p:par>
-        <p:cTn id="1" dur="indefinite" restart="never" nodeType="tmRoot"/>
-      </p:par>
-    </p:tnLst>
-  </p:timing>
 </p:sld>
 </file>
 
